--- a/images/me.pptx
+++ b/images/me.pptx
@@ -104,6 +104,11 @@
       </a:defRPr>
     </a:lvl9pPr>
   </p:defaultTextStyle>
+  <p:extLst>
+    <p:ext uri="{EFAFB233-063F-42B5-8137-9DF3F51BA10A}">
+      <p15:sldGuideLst xmlns:p15="http://schemas.microsoft.com/office/powerpoint/2012/main"/>
+    </p:ext>
+  </p:extLst>
 </p:presentation>
 </file>
 
@@ -3335,7 +3340,7 @@
         </p:nvSpPr>
         <p:spPr>
           <a:xfrm>
-            <a:off x="1760220" y="1565102"/>
+            <a:off x="6974686" y="2961619"/>
             <a:ext cx="2160000" cy="2160000"/>
           </a:xfrm>
           <a:prstGeom prst="rect">
@@ -3389,9 +3394,9 @@
           </a:stretch>
         </p:blipFill>
         <p:spPr>
-          <a:xfrm>
-            <a:off x="1813298" y="1606660"/>
-            <a:ext cx="1333480" cy="712473"/>
+          <a:xfrm rot="19970053">
+            <a:off x="7152026" y="3089992"/>
+            <a:ext cx="1276225" cy="681882"/>
           </a:xfrm>
           <a:prstGeom prst="rect">
             <a:avLst/>
@@ -3427,7 +3432,7 @@
         </p:blipFill>
         <p:spPr bwMode="auto">
           <a:xfrm>
-            <a:off x="1868226" y="2933117"/>
+            <a:off x="7009840" y="3689474"/>
             <a:ext cx="732332" cy="732332"/>
           </a:xfrm>
           <a:prstGeom prst="rect">
@@ -3474,7 +3479,7 @@
         </p:blipFill>
         <p:spPr bwMode="auto">
           <a:xfrm>
-            <a:off x="3093700" y="1562151"/>
+            <a:off x="8396261" y="3665502"/>
             <a:ext cx="732331" cy="732331"/>
           </a:xfrm>
           <a:prstGeom prst="rect">
@@ -3520,8 +3525,8 @@
           </a:stretch>
         </p:blipFill>
         <p:spPr bwMode="auto">
-          <a:xfrm rot="1761844">
-            <a:off x="2477349" y="2191417"/>
+          <a:xfrm rot="945324">
+            <a:off x="7713836" y="3608731"/>
             <a:ext cx="833748" cy="833748"/>
           </a:xfrm>
           <a:prstGeom prst="rect">
@@ -3567,8 +3572,8 @@
           </a:stretch>
         </p:blipFill>
         <p:spPr bwMode="auto">
-          <a:xfrm rot="4431531">
-            <a:off x="2770858" y="3048271"/>
+          <a:xfrm rot="18805476">
+            <a:off x="8282592" y="3111617"/>
             <a:ext cx="751840" cy="751840"/>
           </a:xfrm>
           <a:prstGeom prst="rect">
@@ -3626,9 +3631,9 @@
           <a:stretch/>
         </p:blipFill>
         <p:spPr>
-          <a:xfrm rot="21296455">
-            <a:off x="3181977" y="2238292"/>
-            <a:ext cx="802078" cy="833748"/>
+          <a:xfrm rot="17755497">
+            <a:off x="7325129" y="4379995"/>
+            <a:ext cx="748991" cy="778565"/>
           </a:xfrm>
           <a:prstGeom prst="rect">
             <a:avLst/>
@@ -3637,10 +3642,10 @@
       </p:pic>
       <p:pic>
         <p:nvPicPr>
-          <p:cNvPr id="1036" name="Picture 12" descr="Planococcus citri phenacocciformis">
-            <a:extLst>
-              <a:ext uri="{FF2B5EF4-FFF2-40B4-BE49-F238E27FC236}">
-                <a16:creationId xmlns:a16="http://schemas.microsoft.com/office/drawing/2014/main" id="{C9298963-6848-4690-AFF2-7417D2A089A1}"/>
+          <p:cNvPr id="2" name="Picture 2" descr="Rutilus rutilus">
+            <a:extLst>
+              <a:ext uri="{FF2B5EF4-FFF2-40B4-BE49-F238E27FC236}">
+                <a16:creationId xmlns:a16="http://schemas.microsoft.com/office/drawing/2014/main" id="{3848654B-07B7-458A-8B01-4A5B045E867A}"/>
               </a:ext>
             </a:extLst>
           </p:cNvPr>
@@ -3649,7 +3654,7 @@
           </p:cNvPicPr>
           <p:nvPr/>
         </p:nvPicPr>
-        <p:blipFill>
+        <p:blipFill rotWithShape="1">
           <a:blip r:embed="rId9">
             <a:extLst>
               <a:ext uri="{28A0092B-C50C-407E-A947-70E740481C1C}">
@@ -3657,15 +3662,13 @@
               </a:ext>
             </a:extLst>
           </a:blip>
-          <a:srcRect/>
-          <a:stretch>
-            <a:fillRect/>
-          </a:stretch>
+          <a:srcRect t="50000"/>
+          <a:stretch/>
         </p:blipFill>
         <p:spPr bwMode="auto">
-          <a:xfrm rot="19573216">
-            <a:off x="1716819" y="2248118"/>
-            <a:ext cx="814093" cy="814093"/>
+          <a:xfrm rot="19477840">
+            <a:off x="8041078" y="4401443"/>
+            <a:ext cx="944888" cy="472444"/>
           </a:xfrm>
           <a:prstGeom prst="rect">
             <a:avLst/>
